--- a/images/venn_diagram.pptx
+++ b/images/venn_diagram.pptx
@@ -5,10 +5,11 @@
     <p:sldMasterId id="2147483648" r:id="rId1"/>
   </p:sldMasterIdLst>
   <p:notesMasterIdLst>
-    <p:notesMasterId r:id="rId3"/>
+    <p:notesMasterId r:id="rId4"/>
   </p:notesMasterIdLst>
   <p:sldIdLst>
     <p:sldId id="256" r:id="rId2"/>
+    <p:sldId id="257" r:id="rId3"/>
   </p:sldIdLst>
   <p:sldSz cx="12192000" cy="6858000"/>
   <p:notesSz cx="6858000" cy="9144000"/>
@@ -197,7 +198,7 @@
           <a:p>
             <a:fld id="{6A53EF8C-817B-BB49-A123-D8025BA91A93}" type="datetimeFigureOut">
               <a:rPr lang="en-US" smtClean="0"/>
-              <a:t>10/20/22</a:t>
+              <a:t>11/8/22</a:t>
             </a:fld>
             <a:endParaRPr lang="en-US"/>
           </a:p>
@@ -548,6 +549,90 @@
 </p:notes>
 </file>
 
+<file path=ppt/notesSlides/notesSlide2.xml><?xml version="1.0" encoding="utf-8"?>
+<p:notes xmlns:a="http://schemas.openxmlformats.org/drawingml/2006/main" xmlns:r="http://schemas.openxmlformats.org/officeDocument/2006/relationships" xmlns:p="http://schemas.openxmlformats.org/presentationml/2006/main">
+  <p:cSld>
+    <p:spTree>
+      <p:nvGrpSpPr>
+        <p:cNvPr id="1" name=""/>
+        <p:cNvGrpSpPr/>
+        <p:nvPr/>
+      </p:nvGrpSpPr>
+      <p:grpSpPr>
+        <a:xfrm>
+          <a:off x="0" y="0"/>
+          <a:ext cx="0" cy="0"/>
+          <a:chOff x="0" y="0"/>
+          <a:chExt cx="0" cy="0"/>
+        </a:xfrm>
+      </p:grpSpPr>
+      <p:sp>
+        <p:nvSpPr>
+          <p:cNvPr id="2" name="Slide Image Placeholder 1"/>
+          <p:cNvSpPr>
+            <a:spLocks noGrp="1" noRot="1" noChangeAspect="1"/>
+          </p:cNvSpPr>
+          <p:nvPr>
+            <p:ph type="sldImg"/>
+          </p:nvPr>
+        </p:nvSpPr>
+        <p:spPr/>
+      </p:sp>
+      <p:sp>
+        <p:nvSpPr>
+          <p:cNvPr id="3" name="Notes Placeholder 2"/>
+          <p:cNvSpPr>
+            <a:spLocks noGrp="1"/>
+          </p:cNvSpPr>
+          <p:nvPr>
+            <p:ph type="body" idx="1"/>
+          </p:nvPr>
+        </p:nvSpPr>
+        <p:spPr/>
+        <p:txBody>
+          <a:bodyPr/>
+          <a:lstStyle/>
+          <a:p>
+            <a:endParaRPr lang="en-US" dirty="0"/>
+          </a:p>
+        </p:txBody>
+      </p:sp>
+      <p:sp>
+        <p:nvSpPr>
+          <p:cNvPr id="4" name="Slide Number Placeholder 3"/>
+          <p:cNvSpPr>
+            <a:spLocks noGrp="1"/>
+          </p:cNvSpPr>
+          <p:nvPr>
+            <p:ph type="sldNum" sz="quarter" idx="5"/>
+          </p:nvPr>
+        </p:nvSpPr>
+        <p:spPr/>
+        <p:txBody>
+          <a:bodyPr/>
+          <a:lstStyle/>
+          <a:p>
+            <a:fld id="{BC356130-DE57-C249-9716-F29703A4903B}" type="slidenum">
+              <a:rPr lang="en-US" smtClean="0"/>
+              <a:t>2</a:t>
+            </a:fld>
+            <a:endParaRPr lang="en-US"/>
+          </a:p>
+        </p:txBody>
+      </p:sp>
+    </p:spTree>
+    <p:extLst>
+      <p:ext uri="{BB962C8B-B14F-4D97-AF65-F5344CB8AC3E}">
+        <p14:creationId xmlns:p14="http://schemas.microsoft.com/office/powerpoint/2010/main" val="2299123192"/>
+      </p:ext>
+    </p:extLst>
+  </p:cSld>
+  <p:clrMapOvr>
+    <a:masterClrMapping/>
+  </p:clrMapOvr>
+</p:notes>
+</file>
+
 <file path=ppt/slideLayouts/slideLayout1.xml><?xml version="1.0" encoding="utf-8"?>
 <p:sldLayout xmlns:a="http://schemas.openxmlformats.org/drawingml/2006/main" xmlns:r="http://schemas.openxmlformats.org/officeDocument/2006/relationships" xmlns:p="http://schemas.openxmlformats.org/presentationml/2006/main" type="title" preserve="1">
   <p:cSld name="Title Slide">
@@ -695,7 +780,7 @@
           <a:p>
             <a:fld id="{83DC0E93-2696-5C49-9233-A1284B8A832D}" type="datetimeFigureOut">
               <a:rPr lang="en-US" smtClean="0"/>
-              <a:t>10/20/22</a:t>
+              <a:t>11/8/22</a:t>
             </a:fld>
             <a:endParaRPr lang="en-US"/>
           </a:p>
@@ -893,7 +978,7 @@
           <a:p>
             <a:fld id="{83DC0E93-2696-5C49-9233-A1284B8A832D}" type="datetimeFigureOut">
               <a:rPr lang="en-US" smtClean="0"/>
-              <a:t>10/20/22</a:t>
+              <a:t>11/8/22</a:t>
             </a:fld>
             <a:endParaRPr lang="en-US"/>
           </a:p>
@@ -1101,7 +1186,7 @@
           <a:p>
             <a:fld id="{83DC0E93-2696-5C49-9233-A1284B8A832D}" type="datetimeFigureOut">
               <a:rPr lang="en-US" smtClean="0"/>
-              <a:t>10/20/22</a:t>
+              <a:t>11/8/22</a:t>
             </a:fld>
             <a:endParaRPr lang="en-US"/>
           </a:p>
@@ -1299,7 +1384,7 @@
           <a:p>
             <a:fld id="{83DC0E93-2696-5C49-9233-A1284B8A832D}" type="datetimeFigureOut">
               <a:rPr lang="en-US" smtClean="0"/>
-              <a:t>10/20/22</a:t>
+              <a:t>11/8/22</a:t>
             </a:fld>
             <a:endParaRPr lang="en-US"/>
           </a:p>
@@ -1574,7 +1659,7 @@
           <a:p>
             <a:fld id="{83DC0E93-2696-5C49-9233-A1284B8A832D}" type="datetimeFigureOut">
               <a:rPr lang="en-US" smtClean="0"/>
-              <a:t>10/20/22</a:t>
+              <a:t>11/8/22</a:t>
             </a:fld>
             <a:endParaRPr lang="en-US"/>
           </a:p>
@@ -1839,7 +1924,7 @@
           <a:p>
             <a:fld id="{83DC0E93-2696-5C49-9233-A1284B8A832D}" type="datetimeFigureOut">
               <a:rPr lang="en-US" smtClean="0"/>
-              <a:t>10/20/22</a:t>
+              <a:t>11/8/22</a:t>
             </a:fld>
             <a:endParaRPr lang="en-US"/>
           </a:p>
@@ -2251,7 +2336,7 @@
           <a:p>
             <a:fld id="{83DC0E93-2696-5C49-9233-A1284B8A832D}" type="datetimeFigureOut">
               <a:rPr lang="en-US" smtClean="0"/>
-              <a:t>10/20/22</a:t>
+              <a:t>11/8/22</a:t>
             </a:fld>
             <a:endParaRPr lang="en-US"/>
           </a:p>
@@ -2392,7 +2477,7 @@
           <a:p>
             <a:fld id="{83DC0E93-2696-5C49-9233-A1284B8A832D}" type="datetimeFigureOut">
               <a:rPr lang="en-US" smtClean="0"/>
-              <a:t>10/20/22</a:t>
+              <a:t>11/8/22</a:t>
             </a:fld>
             <a:endParaRPr lang="en-US"/>
           </a:p>
@@ -2505,7 +2590,7 @@
           <a:p>
             <a:fld id="{83DC0E93-2696-5C49-9233-A1284B8A832D}" type="datetimeFigureOut">
               <a:rPr lang="en-US" smtClean="0"/>
-              <a:t>10/20/22</a:t>
+              <a:t>11/8/22</a:t>
             </a:fld>
             <a:endParaRPr lang="en-US"/>
           </a:p>
@@ -2816,7 +2901,7 @@
           <a:p>
             <a:fld id="{83DC0E93-2696-5C49-9233-A1284B8A832D}" type="datetimeFigureOut">
               <a:rPr lang="en-US" smtClean="0"/>
-              <a:t>10/20/22</a:t>
+              <a:t>11/8/22</a:t>
             </a:fld>
             <a:endParaRPr lang="en-US"/>
           </a:p>
@@ -3104,7 +3189,7 @@
           <a:p>
             <a:fld id="{83DC0E93-2696-5C49-9233-A1284B8A832D}" type="datetimeFigureOut">
               <a:rPr lang="en-US" smtClean="0"/>
-              <a:t>10/20/22</a:t>
+              <a:t>11/8/22</a:t>
             </a:fld>
             <a:endParaRPr lang="en-US"/>
           </a:p>
@@ -3345,7 +3430,7 @@
           <a:p>
             <a:fld id="{83DC0E93-2696-5C49-9233-A1284B8A832D}" type="datetimeFigureOut">
               <a:rPr lang="en-US" smtClean="0"/>
-              <a:t>10/20/22</a:t>
+              <a:t>11/8/22</a:t>
             </a:fld>
             <a:endParaRPr lang="en-US"/>
           </a:p>
@@ -4518,6 +4603,1274 @@
     <p:extLst>
       <p:ext uri="{BB962C8B-B14F-4D97-AF65-F5344CB8AC3E}">
         <p14:creationId xmlns:p14="http://schemas.microsoft.com/office/powerpoint/2010/main" val="96577955"/>
+      </p:ext>
+    </p:extLst>
+  </p:cSld>
+  <p:clrMapOvr>
+    <a:masterClrMapping/>
+  </p:clrMapOvr>
+</p:sld>
+</file>
+
+<file path=ppt/slides/slide2.xml><?xml version="1.0" encoding="utf-8"?>
+<p:sld xmlns:a="http://schemas.openxmlformats.org/drawingml/2006/main" xmlns:r="http://schemas.openxmlformats.org/officeDocument/2006/relationships" xmlns:p="http://schemas.openxmlformats.org/presentationml/2006/main">
+  <p:cSld>
+    <p:spTree>
+      <p:nvGrpSpPr>
+        <p:cNvPr id="1" name=""/>
+        <p:cNvGrpSpPr/>
+        <p:nvPr/>
+      </p:nvGrpSpPr>
+      <p:grpSpPr>
+        <a:xfrm>
+          <a:off x="0" y="0"/>
+          <a:ext cx="0" cy="0"/>
+          <a:chOff x="0" y="0"/>
+          <a:chExt cx="0" cy="0"/>
+        </a:xfrm>
+      </p:grpSpPr>
+      <p:sp>
+        <p:nvSpPr>
+          <p:cNvPr id="4" name="TextBox 3">
+            <a:extLst>
+              <a:ext uri="{FF2B5EF4-FFF2-40B4-BE49-F238E27FC236}">
+                <a16:creationId xmlns:a16="http://schemas.microsoft.com/office/drawing/2014/main" id="{BF8BE903-1CA2-C7B2-35BC-29872304AAB9}"/>
+              </a:ext>
+            </a:extLst>
+          </p:cNvPr>
+          <p:cNvSpPr txBox="1"/>
+          <p:nvPr/>
+        </p:nvSpPr>
+        <p:spPr>
+          <a:xfrm>
+            <a:off x="1250730" y="746233"/>
+            <a:ext cx="1376856" cy="646331"/>
+          </a:xfrm>
+          <a:prstGeom prst="rect">
+            <a:avLst/>
+          </a:prstGeom>
+          <a:noFill/>
+        </p:spPr>
+        <p:txBody>
+          <a:bodyPr wrap="square" rtlCol="0">
+            <a:spAutoFit/>
+          </a:bodyPr>
+          <a:lstStyle/>
+          <a:p>
+            <a:r>
+              <a:rPr lang="fr-FR" sz="1800" dirty="0">
+                <a:effectLst/>
+                <a:latin typeface="CABRITO SANS NORM REGULAR NORM" panose="02000503040000020004" pitchFamily="2" charset="77"/>
+                <a:ea typeface="DengXian" panose="02010600030101010101" pitchFamily="2" charset="-122"/>
+                <a:cs typeface="Times New Roman" panose="02020603050405020304" pitchFamily="18" charset="0"/>
+              </a:rPr>
+              <a:t>Besoin non satisfait</a:t>
+            </a:r>
+            <a:r>
+              <a:rPr lang="en-US" dirty="0">
+                <a:effectLst/>
+                <a:latin typeface="CABRITO SANS NORM REGULAR NORM" panose="02000503040000020004" pitchFamily="2" charset="77"/>
+              </a:rPr>
+              <a:t> </a:t>
+            </a:r>
+            <a:endParaRPr lang="en-US" dirty="0">
+              <a:latin typeface="CABRITO SANS NORM REGULAR NORM" panose="02000503040000020004" pitchFamily="2" charset="77"/>
+            </a:endParaRPr>
+          </a:p>
+        </p:txBody>
+      </p:sp>
+      <p:sp>
+        <p:nvSpPr>
+          <p:cNvPr id="5" name="Oval 4">
+            <a:extLst>
+              <a:ext uri="{FF2B5EF4-FFF2-40B4-BE49-F238E27FC236}">
+                <a16:creationId xmlns:a16="http://schemas.microsoft.com/office/drawing/2014/main" id="{062BDD01-96B8-304C-EEBF-AE20E04480CC}"/>
+              </a:ext>
+            </a:extLst>
+          </p:cNvPr>
+          <p:cNvSpPr/>
+          <p:nvPr/>
+        </p:nvSpPr>
+        <p:spPr>
+          <a:xfrm>
+            <a:off x="1797268" y="486103"/>
+            <a:ext cx="5885794" cy="5885794"/>
+          </a:xfrm>
+          <a:prstGeom prst="ellipse">
+            <a:avLst/>
+          </a:prstGeom>
+          <a:noFill/>
+          <a:ln>
+            <a:solidFill>
+              <a:srgbClr val="002539"/>
+            </a:solidFill>
+          </a:ln>
+        </p:spPr>
+        <p:style>
+          <a:lnRef idx="2">
+            <a:schemeClr val="accent1">
+              <a:shade val="50000"/>
+            </a:schemeClr>
+          </a:lnRef>
+          <a:fillRef idx="1">
+            <a:schemeClr val="accent1"/>
+          </a:fillRef>
+          <a:effectRef idx="0">
+            <a:schemeClr val="accent1"/>
+          </a:effectRef>
+          <a:fontRef idx="minor">
+            <a:schemeClr val="lt1"/>
+          </a:fontRef>
+        </p:style>
+        <p:txBody>
+          <a:bodyPr rtlCol="0" anchor="ctr"/>
+          <a:lstStyle/>
+          <a:p>
+            <a:pPr algn="ctr"/>
+            <a:endParaRPr lang="en-US"/>
+          </a:p>
+        </p:txBody>
+      </p:sp>
+      <p:sp>
+        <p:nvSpPr>
+          <p:cNvPr id="8" name="Oval 7">
+            <a:extLst>
+              <a:ext uri="{FF2B5EF4-FFF2-40B4-BE49-F238E27FC236}">
+                <a16:creationId xmlns:a16="http://schemas.microsoft.com/office/drawing/2014/main" id="{760EA201-339A-92EF-25D2-444567BC413E}"/>
+              </a:ext>
+            </a:extLst>
+          </p:cNvPr>
+          <p:cNvSpPr/>
+          <p:nvPr/>
+        </p:nvSpPr>
+        <p:spPr>
+          <a:xfrm>
+            <a:off x="4740165" y="486103"/>
+            <a:ext cx="5885794" cy="5885794"/>
+          </a:xfrm>
+          <a:prstGeom prst="ellipse">
+            <a:avLst/>
+          </a:prstGeom>
+          <a:noFill/>
+          <a:ln>
+            <a:solidFill>
+              <a:srgbClr val="002539"/>
+            </a:solidFill>
+          </a:ln>
+        </p:spPr>
+        <p:style>
+          <a:lnRef idx="2">
+            <a:schemeClr val="accent1">
+              <a:shade val="50000"/>
+            </a:schemeClr>
+          </a:lnRef>
+          <a:fillRef idx="1">
+            <a:schemeClr val="accent1"/>
+          </a:fillRef>
+          <a:effectRef idx="0">
+            <a:schemeClr val="accent1"/>
+          </a:effectRef>
+          <a:fontRef idx="minor">
+            <a:schemeClr val="lt1"/>
+          </a:fontRef>
+        </p:style>
+        <p:txBody>
+          <a:bodyPr rtlCol="0" anchor="ctr"/>
+          <a:lstStyle/>
+          <a:p>
+            <a:pPr algn="ctr"/>
+            <a:endParaRPr lang="en-US"/>
+          </a:p>
+        </p:txBody>
+      </p:sp>
+      <p:sp>
+        <p:nvSpPr>
+          <p:cNvPr id="9" name="TextBox 8">
+            <a:extLst>
+              <a:ext uri="{FF2B5EF4-FFF2-40B4-BE49-F238E27FC236}">
+                <a16:creationId xmlns:a16="http://schemas.microsoft.com/office/drawing/2014/main" id="{1DA6306C-11DC-A316-2070-FE57DA72BB75}"/>
+              </a:ext>
+            </a:extLst>
+          </p:cNvPr>
+          <p:cNvSpPr txBox="1"/>
+          <p:nvPr/>
+        </p:nvSpPr>
+        <p:spPr>
+          <a:xfrm>
+            <a:off x="9795641" y="746233"/>
+            <a:ext cx="1883982" cy="646331"/>
+          </a:xfrm>
+          <a:prstGeom prst="rect">
+            <a:avLst/>
+          </a:prstGeom>
+          <a:noFill/>
+        </p:spPr>
+        <p:txBody>
+          <a:bodyPr wrap="square" rtlCol="0">
+            <a:spAutoFit/>
+          </a:bodyPr>
+          <a:lstStyle/>
+          <a:p>
+            <a:pPr algn="r"/>
+            <a:r>
+              <a:rPr lang="fr-FR" sz="1800" dirty="0">
+                <a:effectLst/>
+                <a:latin typeface="CABRITO SANS NORM REGULAR NORM" panose="02000503040000020004" pitchFamily="2" charset="77"/>
+                <a:ea typeface="DengXian" panose="02010600030101010101" pitchFamily="2" charset="-122"/>
+                <a:cs typeface="Times New Roman" panose="02020603050405020304" pitchFamily="18" charset="0"/>
+              </a:rPr>
+              <a:t>Raisons de </a:t>
+            </a:r>
+          </a:p>
+          <a:p>
+            <a:pPr algn="r"/>
+            <a:r>
+              <a:rPr lang="fr-FR" sz="1800" dirty="0">
+                <a:effectLst/>
+                <a:latin typeface="CABRITO SANS NORM REGULAR NORM" panose="02000503040000020004" pitchFamily="2" charset="77"/>
+                <a:ea typeface="DengXian" panose="02010600030101010101" pitchFamily="2" charset="-122"/>
+                <a:cs typeface="Times New Roman" panose="02020603050405020304" pitchFamily="18" charset="0"/>
+              </a:rPr>
+              <a:t>non-utilisation</a:t>
+            </a:r>
+            <a:r>
+              <a:rPr lang="en-US" dirty="0">
+                <a:effectLst/>
+                <a:latin typeface="CABRITO SANS NORM REGULAR NORM" panose="02000503040000020004" pitchFamily="2" charset="77"/>
+              </a:rPr>
+              <a:t> </a:t>
+            </a:r>
+            <a:endParaRPr lang="en-US" dirty="0">
+              <a:latin typeface="CABRITO SANS NORM REGULAR NORM" panose="02000503040000020004" pitchFamily="2" charset="77"/>
+            </a:endParaRPr>
+          </a:p>
+        </p:txBody>
+      </p:sp>
+      <p:sp>
+        <p:nvSpPr>
+          <p:cNvPr id="10" name="TextBox 9">
+            <a:extLst>
+              <a:ext uri="{FF2B5EF4-FFF2-40B4-BE49-F238E27FC236}">
+                <a16:creationId xmlns:a16="http://schemas.microsoft.com/office/drawing/2014/main" id="{E5985F46-43E2-9A2F-BB6A-E15ECC36D76E}"/>
+              </a:ext>
+            </a:extLst>
+          </p:cNvPr>
+          <p:cNvSpPr txBox="1"/>
+          <p:nvPr/>
+        </p:nvSpPr>
+        <p:spPr>
+          <a:xfrm>
+            <a:off x="2627586" y="1602953"/>
+            <a:ext cx="1996965" cy="830997"/>
+          </a:xfrm>
+          <a:prstGeom prst="rect">
+            <a:avLst/>
+          </a:prstGeom>
+          <a:noFill/>
+        </p:spPr>
+        <p:txBody>
+          <a:bodyPr wrap="square" rtlCol="0">
+            <a:spAutoFit/>
+          </a:bodyPr>
+          <a:lstStyle/>
+          <a:p>
+            <a:r>
+              <a:rPr lang="en-US" sz="1200" dirty="0" err="1">
+                <a:latin typeface="CABRITO SANS NORM REGULAR NORM" panose="02000503040000020004" pitchFamily="2" charset="77"/>
+              </a:rPr>
+              <a:t>Actuellement</a:t>
+            </a:r>
+            <a:r>
+              <a:rPr lang="en-US" sz="1200" dirty="0">
+                <a:latin typeface="CABRITO SANS NORM REGULAR NORM" panose="02000503040000020004" pitchFamily="2" charset="77"/>
+              </a:rPr>
+              <a:t> enceinte &amp; </a:t>
+            </a:r>
+            <a:r>
+              <a:rPr lang="en-US" sz="1200" dirty="0" err="1">
+                <a:latin typeface="CABRITO SANS NORM REGULAR NORM" panose="02000503040000020004" pitchFamily="2" charset="77"/>
+              </a:rPr>
+              <a:t>grossesse</a:t>
+            </a:r>
+            <a:r>
+              <a:rPr lang="en-US" sz="1200" dirty="0">
+                <a:latin typeface="CABRITO SANS NORM REGULAR NORM" panose="02000503040000020004" pitchFamily="2" charset="77"/>
+              </a:rPr>
+              <a:t> </a:t>
+            </a:r>
+            <a:r>
+              <a:rPr lang="en-US" sz="1200" dirty="0" err="1">
+                <a:latin typeface="CABRITO SANS NORM REGULAR NORM" panose="02000503040000020004" pitchFamily="2" charset="77"/>
+              </a:rPr>
+              <a:t>était</a:t>
+            </a:r>
+            <a:r>
+              <a:rPr lang="en-US" sz="1200" dirty="0">
+                <a:latin typeface="CABRITO SANS NORM REGULAR NORM" panose="02000503040000020004" pitchFamily="2" charset="77"/>
+              </a:rPr>
+              <a:t> inopportune </a:t>
+            </a:r>
+            <a:r>
+              <a:rPr lang="en-US" sz="1200" dirty="0" err="1">
+                <a:latin typeface="CABRITO SANS NORM REGULAR NORM" panose="02000503040000020004" pitchFamily="2" charset="77"/>
+              </a:rPr>
+              <a:t>ou</a:t>
+            </a:r>
+            <a:r>
+              <a:rPr lang="en-US" sz="1200" dirty="0">
+                <a:latin typeface="CABRITO SANS NORM REGULAR NORM" panose="02000503040000020004" pitchFamily="2" charset="77"/>
+              </a:rPr>
+              <a:t> non </a:t>
+            </a:r>
+            <a:r>
+              <a:rPr lang="en-US" sz="1200" dirty="0" err="1">
+                <a:latin typeface="CABRITO SANS NORM REGULAR NORM" panose="02000503040000020004" pitchFamily="2" charset="77"/>
+              </a:rPr>
+              <a:t>désirée</a:t>
+            </a:r>
+            <a:endParaRPr lang="en-US" sz="1200" dirty="0">
+              <a:latin typeface="CABRITO SANS NORM REGULAR NORM" panose="02000503040000020004" pitchFamily="2" charset="77"/>
+            </a:endParaRPr>
+          </a:p>
+        </p:txBody>
+      </p:sp>
+      <p:sp>
+        <p:nvSpPr>
+          <p:cNvPr id="11" name="TextBox 10">
+            <a:extLst>
+              <a:ext uri="{FF2B5EF4-FFF2-40B4-BE49-F238E27FC236}">
+                <a16:creationId xmlns:a16="http://schemas.microsoft.com/office/drawing/2014/main" id="{F7421EF8-ACD2-CB8B-0DF0-947EF814FE17}"/>
+              </a:ext>
+            </a:extLst>
+          </p:cNvPr>
+          <p:cNvSpPr txBox="1"/>
+          <p:nvPr/>
+        </p:nvSpPr>
+        <p:spPr>
+          <a:xfrm>
+            <a:off x="8208577" y="1702014"/>
+            <a:ext cx="1530574" cy="830997"/>
+          </a:xfrm>
+          <a:prstGeom prst="rect">
+            <a:avLst/>
+          </a:prstGeom>
+          <a:noFill/>
+        </p:spPr>
+        <p:txBody>
+          <a:bodyPr wrap="square" rtlCol="0">
+            <a:spAutoFit/>
+          </a:bodyPr>
+          <a:lstStyle/>
+          <a:p>
+            <a:pPr algn="r"/>
+            <a:r>
+              <a:rPr lang="en-US" sz="1200" dirty="0">
+                <a:latin typeface="CABRITO SANS NORM REGULAR NORM" panose="02000503040000020004" pitchFamily="2" charset="77"/>
+              </a:rPr>
+              <a:t>A </a:t>
+            </a:r>
+            <a:r>
+              <a:rPr lang="en-US" sz="1200" dirty="0" err="1">
+                <a:latin typeface="CABRITO SANS NORM REGULAR NORM" panose="02000503040000020004" pitchFamily="2" charset="77"/>
+              </a:rPr>
+              <a:t>utilisé</a:t>
+            </a:r>
+            <a:r>
+              <a:rPr lang="en-US" sz="1200" dirty="0">
+                <a:latin typeface="CABRITO SANS NORM REGULAR NORM" panose="02000503040000020004" pitchFamily="2" charset="77"/>
+              </a:rPr>
+              <a:t> la contraception </a:t>
+            </a:r>
+            <a:r>
+              <a:rPr lang="en-US" sz="1200" dirty="0" err="1">
+                <a:latin typeface="CABRITO SANS NORM REGULAR NORM" panose="02000503040000020004" pitchFamily="2" charset="77"/>
+              </a:rPr>
+              <a:t>d'urgence</a:t>
+            </a:r>
+            <a:r>
+              <a:rPr lang="en-US" sz="1200" dirty="0">
+                <a:latin typeface="CABRITO SANS NORM REGULAR NORM" panose="02000503040000020004" pitchFamily="2" charset="77"/>
+              </a:rPr>
+              <a:t> dans les 12 </a:t>
+            </a:r>
+            <a:r>
+              <a:rPr lang="en-US" sz="1200" dirty="0" err="1">
+                <a:latin typeface="CABRITO SANS NORM REGULAR NORM" panose="02000503040000020004" pitchFamily="2" charset="77"/>
+              </a:rPr>
+              <a:t>derniers</a:t>
+            </a:r>
+            <a:r>
+              <a:rPr lang="en-US" sz="1200" dirty="0">
+                <a:latin typeface="CABRITO SANS NORM REGULAR NORM" panose="02000503040000020004" pitchFamily="2" charset="77"/>
+              </a:rPr>
+              <a:t> </a:t>
+            </a:r>
+            <a:r>
+              <a:rPr lang="en-US" sz="1200" dirty="0" err="1">
+                <a:latin typeface="CABRITO SANS NORM REGULAR NORM" panose="02000503040000020004" pitchFamily="2" charset="77"/>
+              </a:rPr>
+              <a:t>mois</a:t>
+            </a:r>
+            <a:endParaRPr lang="en-US" sz="1200" dirty="0">
+              <a:latin typeface="CABRITO SANS NORM REGULAR NORM" panose="02000503040000020004" pitchFamily="2" charset="77"/>
+            </a:endParaRPr>
+          </a:p>
+        </p:txBody>
+      </p:sp>
+      <p:sp>
+        <p:nvSpPr>
+          <p:cNvPr id="12" name="TextBox 11">
+            <a:extLst>
+              <a:ext uri="{FF2B5EF4-FFF2-40B4-BE49-F238E27FC236}">
+                <a16:creationId xmlns:a16="http://schemas.microsoft.com/office/drawing/2014/main" id="{7F0AC610-DE48-8BDD-9DD2-7892FF4BF027}"/>
+              </a:ext>
+            </a:extLst>
+          </p:cNvPr>
+          <p:cNvSpPr txBox="1"/>
+          <p:nvPr/>
+        </p:nvSpPr>
+        <p:spPr>
+          <a:xfrm>
+            <a:off x="8295296" y="2811797"/>
+            <a:ext cx="1883982" cy="461665"/>
+          </a:xfrm>
+          <a:prstGeom prst="rect">
+            <a:avLst/>
+          </a:prstGeom>
+          <a:noFill/>
+        </p:spPr>
+        <p:txBody>
+          <a:bodyPr wrap="square" rtlCol="0">
+            <a:spAutoFit/>
+          </a:bodyPr>
+          <a:lstStyle/>
+          <a:p>
+            <a:pPr algn="r"/>
+            <a:r>
+              <a:rPr lang="en-US" sz="1200" dirty="0" err="1">
+                <a:latin typeface="CABRITO SANS NORM REGULAR NORM" panose="02000503040000020004" pitchFamily="2" charset="77"/>
+              </a:rPr>
+              <a:t>Inféconde</a:t>
+            </a:r>
+            <a:r>
+              <a:rPr lang="en-US" sz="1200" dirty="0">
+                <a:latin typeface="CABRITO SANS NORM REGULAR NORM" panose="02000503040000020004" pitchFamily="2" charset="77"/>
+              </a:rPr>
+              <a:t> </a:t>
+            </a:r>
+            <a:r>
+              <a:rPr lang="en-US" sz="1200" dirty="0" err="1">
+                <a:latin typeface="CABRITO SANS NORM REGULAR NORM" panose="02000503040000020004" pitchFamily="2" charset="77"/>
+              </a:rPr>
+              <a:t>ou</a:t>
+            </a:r>
+            <a:r>
+              <a:rPr lang="en-US" sz="1200" dirty="0">
+                <a:latin typeface="CABRITO SANS NORM REGULAR NORM" panose="02000503040000020004" pitchFamily="2" charset="77"/>
+              </a:rPr>
+              <a:t> </a:t>
+            </a:r>
+            <a:r>
+              <a:rPr lang="en-US" sz="1200" dirty="0" err="1">
+                <a:latin typeface="CABRITO SANS NORM REGULAR NORM" panose="02000503040000020004" pitchFamily="2" charset="77"/>
+              </a:rPr>
+              <a:t>ménopausée</a:t>
+            </a:r>
+            <a:endParaRPr lang="en-US" sz="1200" dirty="0">
+              <a:latin typeface="CABRITO SANS NORM REGULAR NORM" panose="02000503040000020004" pitchFamily="2" charset="77"/>
+            </a:endParaRPr>
+          </a:p>
+        </p:txBody>
+      </p:sp>
+      <p:sp>
+        <p:nvSpPr>
+          <p:cNvPr id="13" name="TextBox 12">
+            <a:extLst>
+              <a:ext uri="{FF2B5EF4-FFF2-40B4-BE49-F238E27FC236}">
+                <a16:creationId xmlns:a16="http://schemas.microsoft.com/office/drawing/2014/main" id="{2AB53B0E-EF15-47CF-D4B1-56B782179151}"/>
+              </a:ext>
+            </a:extLst>
+          </p:cNvPr>
+          <p:cNvSpPr txBox="1"/>
+          <p:nvPr/>
+        </p:nvSpPr>
+        <p:spPr>
+          <a:xfrm>
+            <a:off x="8561992" y="3505733"/>
+            <a:ext cx="1600203" cy="461665"/>
+          </a:xfrm>
+          <a:prstGeom prst="rect">
+            <a:avLst/>
+          </a:prstGeom>
+          <a:noFill/>
+        </p:spPr>
+        <p:txBody>
+          <a:bodyPr wrap="square" rtlCol="0">
+            <a:spAutoFit/>
+          </a:bodyPr>
+          <a:lstStyle/>
+          <a:p>
+            <a:pPr algn="r"/>
+            <a:r>
+              <a:rPr lang="en-US" sz="1200" dirty="0">
+                <a:latin typeface="CABRITO SANS NORM REGULAR NORM" panose="02000503040000020004" pitchFamily="2" charset="77"/>
+              </a:rPr>
+              <a:t>Pas </a:t>
+            </a:r>
+            <a:r>
+              <a:rPr lang="en-US" sz="1200" dirty="0" err="1">
+                <a:latin typeface="CABRITO SANS NORM REGULAR NORM" panose="02000503040000020004" pitchFamily="2" charset="77"/>
+              </a:rPr>
+              <a:t>sexuellement</a:t>
+            </a:r>
+            <a:r>
+              <a:rPr lang="en-US" sz="1200" dirty="0">
+                <a:latin typeface="CABRITO SANS NORM REGULAR NORM" panose="02000503040000020004" pitchFamily="2" charset="77"/>
+              </a:rPr>
+              <a:t> active</a:t>
+            </a:r>
+          </a:p>
+        </p:txBody>
+      </p:sp>
+      <p:sp>
+        <p:nvSpPr>
+          <p:cNvPr id="14" name="TextBox 13">
+            <a:extLst>
+              <a:ext uri="{FF2B5EF4-FFF2-40B4-BE49-F238E27FC236}">
+                <a16:creationId xmlns:a16="http://schemas.microsoft.com/office/drawing/2014/main" id="{438F4656-3D36-95D5-D3F1-F67812AC7795}"/>
+              </a:ext>
+            </a:extLst>
+          </p:cNvPr>
+          <p:cNvSpPr txBox="1"/>
+          <p:nvPr/>
+        </p:nvSpPr>
+        <p:spPr>
+          <a:xfrm>
+            <a:off x="8008878" y="4221980"/>
+            <a:ext cx="1807778" cy="646331"/>
+          </a:xfrm>
+          <a:prstGeom prst="rect">
+            <a:avLst/>
+          </a:prstGeom>
+          <a:noFill/>
+        </p:spPr>
+        <p:txBody>
+          <a:bodyPr wrap="square" rtlCol="0">
+            <a:spAutoFit/>
+          </a:bodyPr>
+          <a:lstStyle/>
+          <a:p>
+            <a:pPr algn="r"/>
+            <a:r>
+              <a:rPr lang="en-US" sz="1200" dirty="0" err="1">
+                <a:latin typeface="CABRITO SANS NORM REGULAR NORM" panose="02000503040000020004" pitchFamily="2" charset="77"/>
+              </a:rPr>
+              <a:t>Aménorrhée</a:t>
+            </a:r>
+            <a:r>
+              <a:rPr lang="en-US" sz="1200" dirty="0">
+                <a:latin typeface="CABRITO SANS NORM REGULAR NORM" panose="02000503040000020004" pitchFamily="2" charset="77"/>
+              </a:rPr>
+              <a:t> post-partum suite </a:t>
+            </a:r>
+            <a:r>
+              <a:rPr lang="en-US" sz="1200" dirty="0" err="1">
+                <a:latin typeface="CABRITO SANS NORM REGULAR NORM" panose="02000503040000020004" pitchFamily="2" charset="77"/>
+              </a:rPr>
+              <a:t>à</a:t>
+            </a:r>
+            <a:r>
+              <a:rPr lang="en-US" sz="1200" dirty="0">
+                <a:latin typeface="CABRITO SANS NORM REGULAR NORM" panose="02000503040000020004" pitchFamily="2" charset="77"/>
+              </a:rPr>
+              <a:t> </a:t>
+            </a:r>
+            <a:r>
+              <a:rPr lang="en-US" sz="1200" dirty="0" err="1">
+                <a:latin typeface="CABRITO SANS NORM REGULAR NORM" panose="02000503040000020004" pitchFamily="2" charset="77"/>
+              </a:rPr>
+              <a:t>une</a:t>
+            </a:r>
+            <a:r>
+              <a:rPr lang="en-US" sz="1200" dirty="0">
+                <a:latin typeface="CABRITO SANS NORM REGULAR NORM" panose="02000503040000020004" pitchFamily="2" charset="77"/>
+              </a:rPr>
+              <a:t> naissance </a:t>
+            </a:r>
+            <a:r>
+              <a:rPr lang="en-US" sz="1200" dirty="0" err="1">
+                <a:latin typeface="CABRITO SANS NORM REGULAR NORM" panose="02000503040000020004" pitchFamily="2" charset="77"/>
+              </a:rPr>
+              <a:t>planifiée</a:t>
+            </a:r>
+            <a:endParaRPr lang="en-US" sz="1200" dirty="0">
+              <a:latin typeface="CABRITO SANS NORM REGULAR NORM" panose="02000503040000020004" pitchFamily="2" charset="77"/>
+            </a:endParaRPr>
+          </a:p>
+        </p:txBody>
+      </p:sp>
+      <p:sp>
+        <p:nvSpPr>
+          <p:cNvPr id="16" name="TextBox 15">
+            <a:extLst>
+              <a:ext uri="{FF2B5EF4-FFF2-40B4-BE49-F238E27FC236}">
+                <a16:creationId xmlns:a16="http://schemas.microsoft.com/office/drawing/2014/main" id="{4500423B-610D-8CD0-EB18-4EEA3FCC7367}"/>
+              </a:ext>
+            </a:extLst>
+          </p:cNvPr>
+          <p:cNvSpPr txBox="1"/>
+          <p:nvPr/>
+        </p:nvSpPr>
+        <p:spPr>
+          <a:xfrm>
+            <a:off x="2209302" y="2919592"/>
+            <a:ext cx="1996965" cy="646331"/>
+          </a:xfrm>
+          <a:prstGeom prst="rect">
+            <a:avLst/>
+          </a:prstGeom>
+          <a:noFill/>
+        </p:spPr>
+        <p:txBody>
+          <a:bodyPr wrap="square" rtlCol="0">
+            <a:spAutoFit/>
+          </a:bodyPr>
+          <a:lstStyle/>
+          <a:p>
+            <a:r>
+              <a:rPr lang="en-US" sz="1200" dirty="0" err="1">
+                <a:latin typeface="CABRITO SANS NORM REGULAR NORM" panose="02000503040000020004" pitchFamily="2" charset="77"/>
+              </a:rPr>
+              <a:t>Indécise</a:t>
+            </a:r>
+            <a:r>
+              <a:rPr lang="en-US" sz="1200" dirty="0">
+                <a:latin typeface="CABRITO SANS NORM REGULAR NORM" panose="02000503040000020004" pitchFamily="2" charset="77"/>
+              </a:rPr>
+              <a:t> quant </a:t>
+            </a:r>
+            <a:r>
+              <a:rPr lang="en-US" sz="1200" dirty="0" err="1">
+                <a:latin typeface="CABRITO SANS NORM REGULAR NORM" panose="02000503040000020004" pitchFamily="2" charset="77"/>
+              </a:rPr>
+              <a:t>à</a:t>
+            </a:r>
+            <a:r>
+              <a:rPr lang="en-US" sz="1200" dirty="0">
+                <a:latin typeface="CABRITO SANS NORM REGULAR NORM" panose="02000503040000020004" pitchFamily="2" charset="77"/>
+              </a:rPr>
+              <a:t> </a:t>
+            </a:r>
+            <a:r>
+              <a:rPr lang="en-US" sz="1200" dirty="0" err="1">
+                <a:latin typeface="CABRITO SANS NORM REGULAR NORM" panose="02000503040000020004" pitchFamily="2" charset="77"/>
+              </a:rPr>
+              <a:t>si</a:t>
+            </a:r>
+            <a:r>
+              <a:rPr lang="en-US" sz="1200" dirty="0">
+                <a:latin typeface="CABRITO SANS NORM REGULAR NORM" panose="02000503040000020004" pitchFamily="2" charset="77"/>
+              </a:rPr>
+              <a:t> </a:t>
+            </a:r>
+            <a:r>
+              <a:rPr lang="en-US" sz="1200" dirty="0" err="1">
+                <a:latin typeface="CABRITO SANS NORM REGULAR NORM" panose="02000503040000020004" pitchFamily="2" charset="77"/>
+              </a:rPr>
+              <a:t>ou</a:t>
+            </a:r>
+            <a:r>
+              <a:rPr lang="en-US" sz="1200" dirty="0">
+                <a:latin typeface="CABRITO SANS NORM REGULAR NORM" panose="02000503040000020004" pitchFamily="2" charset="77"/>
+              </a:rPr>
+              <a:t> </a:t>
+            </a:r>
+            <a:r>
+              <a:rPr lang="en-US" sz="1200" dirty="0" err="1">
+                <a:latin typeface="CABRITO SANS NORM REGULAR NORM" panose="02000503040000020004" pitchFamily="2" charset="77"/>
+              </a:rPr>
+              <a:t>quand</a:t>
+            </a:r>
+            <a:r>
+              <a:rPr lang="en-US" sz="1200" dirty="0">
+                <a:latin typeface="CABRITO SANS NORM REGULAR NORM" panose="02000503040000020004" pitchFamily="2" charset="77"/>
+              </a:rPr>
+              <a:t> </a:t>
+            </a:r>
+            <a:r>
+              <a:rPr lang="en-US" sz="1200" dirty="0" err="1">
+                <a:latin typeface="CABRITO SANS NORM REGULAR NORM" panose="02000503040000020004" pitchFamily="2" charset="77"/>
+              </a:rPr>
+              <a:t>devenir</a:t>
+            </a:r>
+            <a:r>
+              <a:rPr lang="en-US" sz="1200" dirty="0">
+                <a:latin typeface="CABRITO SANS NORM REGULAR NORM" panose="02000503040000020004" pitchFamily="2" charset="77"/>
+              </a:rPr>
+              <a:t> enceinte dans 2 </a:t>
+            </a:r>
+            <a:r>
+              <a:rPr lang="en-US" sz="1200" dirty="0" err="1">
+                <a:latin typeface="CABRITO SANS NORM REGULAR NORM" panose="02000503040000020004" pitchFamily="2" charset="77"/>
+              </a:rPr>
+              <a:t>prochaines</a:t>
+            </a:r>
+            <a:r>
+              <a:rPr lang="en-US" sz="1200" dirty="0">
+                <a:latin typeface="CABRITO SANS NORM REGULAR NORM" panose="02000503040000020004" pitchFamily="2" charset="77"/>
+              </a:rPr>
+              <a:t> </a:t>
+            </a:r>
+            <a:r>
+              <a:rPr lang="en-US" sz="1200" dirty="0" err="1">
+                <a:latin typeface="CABRITO SANS NORM REGULAR NORM" panose="02000503040000020004" pitchFamily="2" charset="77"/>
+              </a:rPr>
+              <a:t>années</a:t>
+            </a:r>
+            <a:endParaRPr lang="en-US" sz="1200" dirty="0">
+              <a:latin typeface="CABRITO SANS NORM REGULAR NORM" panose="02000503040000020004" pitchFamily="2" charset="77"/>
+            </a:endParaRPr>
+          </a:p>
+        </p:txBody>
+      </p:sp>
+      <p:sp>
+        <p:nvSpPr>
+          <p:cNvPr id="17" name="TextBox 16">
+            <a:extLst>
+              <a:ext uri="{FF2B5EF4-FFF2-40B4-BE49-F238E27FC236}">
+                <a16:creationId xmlns:a16="http://schemas.microsoft.com/office/drawing/2014/main" id="{9C5E8B1C-9FC0-1C95-ADB2-E53B1D9B7879}"/>
+              </a:ext>
+            </a:extLst>
+          </p:cNvPr>
+          <p:cNvSpPr txBox="1"/>
+          <p:nvPr/>
+        </p:nvSpPr>
+        <p:spPr>
+          <a:xfrm>
+            <a:off x="2419946" y="3999413"/>
+            <a:ext cx="1996965" cy="646331"/>
+          </a:xfrm>
+          <a:prstGeom prst="rect">
+            <a:avLst/>
+          </a:prstGeom>
+          <a:noFill/>
+        </p:spPr>
+        <p:txBody>
+          <a:bodyPr wrap="square" rtlCol="0">
+            <a:spAutoFit/>
+          </a:bodyPr>
+          <a:lstStyle/>
+          <a:p>
+            <a:r>
+              <a:rPr lang="en-US" sz="1200" dirty="0" err="1">
+                <a:latin typeface="CABRITO SANS NORM REGULAR NORM" panose="02000503040000020004" pitchFamily="2" charset="77"/>
+              </a:rPr>
+              <a:t>Aucune</a:t>
+            </a:r>
+            <a:r>
+              <a:rPr lang="en-US" sz="1200" dirty="0">
+                <a:latin typeface="CABRITO SANS NORM REGULAR NORM" panose="02000503040000020004" pitchFamily="2" charset="77"/>
+              </a:rPr>
+              <a:t> </a:t>
+            </a:r>
+            <a:r>
+              <a:rPr lang="en-US" sz="1200" dirty="0" err="1">
+                <a:latin typeface="CABRITO SANS NORM REGULAR NORM" panose="02000503040000020004" pitchFamily="2" charset="77"/>
+              </a:rPr>
+              <a:t>réponse</a:t>
+            </a:r>
+            <a:r>
+              <a:rPr lang="en-US" sz="1200" dirty="0">
+                <a:latin typeface="CABRITO SANS NORM REGULAR NORM" panose="02000503040000020004" pitchFamily="2" charset="77"/>
+              </a:rPr>
+              <a:t> </a:t>
+            </a:r>
+            <a:r>
+              <a:rPr lang="en-US" sz="1200" dirty="0" err="1">
+                <a:latin typeface="CABRITO SANS NORM REGULAR NORM" panose="02000503040000020004" pitchFamily="2" charset="77"/>
+              </a:rPr>
+              <a:t>donnée</a:t>
+            </a:r>
+            <a:r>
+              <a:rPr lang="en-US" sz="1200" dirty="0">
+                <a:latin typeface="CABRITO SANS NORM REGULAR NORM" panose="02000503040000020004" pitchFamily="2" charset="77"/>
+              </a:rPr>
+              <a:t> </a:t>
+            </a:r>
+            <a:r>
+              <a:rPr lang="en-US" sz="1200" dirty="0" err="1">
+                <a:latin typeface="CABRITO SANS NORM REGULAR NORM" panose="02000503040000020004" pitchFamily="2" charset="77"/>
+              </a:rPr>
+              <a:t>quand</a:t>
+            </a:r>
+            <a:r>
+              <a:rPr lang="en-US" sz="1200" dirty="0">
+                <a:latin typeface="CABRITO SANS NORM REGULAR NORM" panose="02000503040000020004" pitchFamily="2" charset="77"/>
+              </a:rPr>
+              <a:t> </a:t>
+            </a:r>
+            <a:r>
+              <a:rPr lang="en-US" sz="1200" dirty="0" err="1">
+                <a:latin typeface="CABRITO SANS NORM REGULAR NORM" panose="02000503040000020004" pitchFamily="2" charset="77"/>
+              </a:rPr>
+              <a:t>demandé</a:t>
+            </a:r>
+            <a:r>
+              <a:rPr lang="en-US" sz="1200" dirty="0">
+                <a:latin typeface="CABRITO SANS NORM REGULAR NORM" panose="02000503040000020004" pitchFamily="2" charset="77"/>
+              </a:rPr>
+              <a:t> raisons de non-</a:t>
+            </a:r>
+            <a:r>
+              <a:rPr lang="en-US" sz="1200" dirty="0" err="1">
+                <a:latin typeface="CABRITO SANS NORM REGULAR NORM" panose="02000503040000020004" pitchFamily="2" charset="77"/>
+              </a:rPr>
+              <a:t>utilisation</a:t>
+            </a:r>
+            <a:endParaRPr lang="en-US" sz="1200" dirty="0">
+              <a:latin typeface="CABRITO SANS NORM REGULAR NORM" panose="02000503040000020004" pitchFamily="2" charset="77"/>
+            </a:endParaRPr>
+          </a:p>
+        </p:txBody>
+      </p:sp>
+      <p:sp>
+        <p:nvSpPr>
+          <p:cNvPr id="18" name="TextBox 17">
+            <a:extLst>
+              <a:ext uri="{FF2B5EF4-FFF2-40B4-BE49-F238E27FC236}">
+                <a16:creationId xmlns:a16="http://schemas.microsoft.com/office/drawing/2014/main" id="{9FF25006-A57A-ADAB-8563-DCE0BCA1EB4F}"/>
+              </a:ext>
+            </a:extLst>
+          </p:cNvPr>
+          <p:cNvSpPr txBox="1"/>
+          <p:nvPr/>
+        </p:nvSpPr>
+        <p:spPr>
+          <a:xfrm>
+            <a:off x="5252550" y="2872405"/>
+            <a:ext cx="1996965" cy="646331"/>
+          </a:xfrm>
+          <a:prstGeom prst="rect">
+            <a:avLst/>
+          </a:prstGeom>
+          <a:noFill/>
+        </p:spPr>
+        <p:txBody>
+          <a:bodyPr wrap="square" rtlCol="0">
+            <a:spAutoFit/>
+          </a:bodyPr>
+          <a:lstStyle/>
+          <a:p>
+            <a:pPr algn="ctr"/>
+            <a:r>
+              <a:rPr lang="en-US" sz="1200" dirty="0" err="1">
+                <a:latin typeface="CABRITO SANS NORM REGULAR NORM" panose="02000503040000020004" pitchFamily="2" charset="77"/>
+              </a:rPr>
+              <a:t>Veut</a:t>
+            </a:r>
+            <a:r>
+              <a:rPr lang="en-US" sz="1200" dirty="0">
+                <a:latin typeface="CABRITO SANS NORM REGULAR NORM" panose="02000503040000020004" pitchFamily="2" charset="77"/>
+              </a:rPr>
+              <a:t> </a:t>
+            </a:r>
+            <a:r>
+              <a:rPr lang="en-US" sz="1200" dirty="0" err="1">
+                <a:latin typeface="CABRITO SANS NORM REGULAR NORM" panose="02000503040000020004" pitchFamily="2" charset="77"/>
+              </a:rPr>
+              <a:t>éviter</a:t>
+            </a:r>
+            <a:r>
+              <a:rPr lang="en-US" sz="1200" dirty="0">
+                <a:latin typeface="CABRITO SANS NORM REGULAR NORM" panose="02000503040000020004" pitchFamily="2" charset="77"/>
+              </a:rPr>
+              <a:t> </a:t>
+            </a:r>
+            <a:r>
+              <a:rPr lang="en-US" sz="1200" dirty="0" err="1">
+                <a:latin typeface="CABRITO SANS NORM REGULAR NORM" panose="02000503040000020004" pitchFamily="2" charset="77"/>
+              </a:rPr>
+              <a:t>une</a:t>
+            </a:r>
+            <a:r>
+              <a:rPr lang="en-US" sz="1200" dirty="0">
+                <a:latin typeface="CABRITO SANS NORM REGULAR NORM" panose="02000503040000020004" pitchFamily="2" charset="77"/>
+              </a:rPr>
+              <a:t> </a:t>
+            </a:r>
+            <a:r>
+              <a:rPr lang="en-US" sz="1200" dirty="0" err="1">
+                <a:latin typeface="CABRITO SANS NORM REGULAR NORM" panose="02000503040000020004" pitchFamily="2" charset="77"/>
+              </a:rPr>
+              <a:t>grossesse</a:t>
+            </a:r>
+            <a:r>
+              <a:rPr lang="en-US" sz="1200" dirty="0">
+                <a:latin typeface="CABRITO SANS NORM REGULAR NORM" panose="02000503040000020004" pitchFamily="2" charset="77"/>
+              </a:rPr>
+              <a:t> dans les 2 </a:t>
+            </a:r>
+            <a:r>
+              <a:rPr lang="en-US" sz="1200" dirty="0" err="1">
+                <a:latin typeface="CABRITO SANS NORM REGULAR NORM" panose="02000503040000020004" pitchFamily="2" charset="77"/>
+              </a:rPr>
+              <a:t>prochaines</a:t>
+            </a:r>
+            <a:r>
+              <a:rPr lang="en-US" sz="1200" dirty="0">
+                <a:latin typeface="CABRITO SANS NORM REGULAR NORM" panose="02000503040000020004" pitchFamily="2" charset="77"/>
+              </a:rPr>
+              <a:t> </a:t>
+            </a:r>
+            <a:r>
+              <a:rPr lang="en-US" sz="1200" dirty="0" err="1">
+                <a:latin typeface="CABRITO SANS NORM REGULAR NORM" panose="02000503040000020004" pitchFamily="2" charset="77"/>
+              </a:rPr>
+              <a:t>années</a:t>
+            </a:r>
+            <a:endParaRPr lang="en-US" sz="1200" dirty="0">
+              <a:latin typeface="CABRITO SANS NORM REGULAR NORM" panose="02000503040000020004" pitchFamily="2" charset="77"/>
+            </a:endParaRPr>
+          </a:p>
+        </p:txBody>
+      </p:sp>
+      <p:cxnSp>
+        <p:nvCxnSpPr>
+          <p:cNvPr id="3" name="Straight Arrow Connector 2">
+            <a:extLst>
+              <a:ext uri="{FF2B5EF4-FFF2-40B4-BE49-F238E27FC236}">
+                <a16:creationId xmlns:a16="http://schemas.microsoft.com/office/drawing/2014/main" id="{670428C4-5863-E847-FBA1-131641714FA5}"/>
+              </a:ext>
+            </a:extLst>
+          </p:cNvPr>
+          <p:cNvCxnSpPr>
+            <a:cxnSpLocks/>
+            <a:stCxn id="21" idx="3"/>
+            <a:endCxn id="10" idx="1"/>
+          </p:cNvCxnSpPr>
+          <p:nvPr/>
+        </p:nvCxnSpPr>
+        <p:spPr>
+          <a:xfrm flipV="1">
+            <a:off x="1455760" y="2018452"/>
+            <a:ext cx="1171826" cy="6726"/>
+          </a:xfrm>
+          <a:prstGeom prst="straightConnector1">
+            <a:avLst/>
+          </a:prstGeom>
+          <a:ln w="19050">
+            <a:solidFill>
+              <a:srgbClr val="00B1CD"/>
+            </a:solidFill>
+            <a:tailEnd type="triangle"/>
+          </a:ln>
+        </p:spPr>
+        <p:style>
+          <a:lnRef idx="1">
+            <a:schemeClr val="accent1"/>
+          </a:lnRef>
+          <a:fillRef idx="0">
+            <a:schemeClr val="accent1"/>
+          </a:fillRef>
+          <a:effectRef idx="0">
+            <a:schemeClr val="accent1"/>
+          </a:effectRef>
+          <a:fontRef idx="minor">
+            <a:schemeClr val="tx1"/>
+          </a:fontRef>
+        </p:style>
+      </p:cxnSp>
+      <p:sp>
+        <p:nvSpPr>
+          <p:cNvPr id="15" name="Left Brace 14">
+            <a:extLst>
+              <a:ext uri="{FF2B5EF4-FFF2-40B4-BE49-F238E27FC236}">
+                <a16:creationId xmlns:a16="http://schemas.microsoft.com/office/drawing/2014/main" id="{58A23103-3B74-5A0C-335B-1B07D5CAC843}"/>
+              </a:ext>
+            </a:extLst>
+          </p:cNvPr>
+          <p:cNvSpPr/>
+          <p:nvPr/>
+        </p:nvSpPr>
+        <p:spPr>
+          <a:xfrm>
+            <a:off x="1333504" y="2875033"/>
+            <a:ext cx="409904" cy="1869416"/>
+          </a:xfrm>
+          <a:prstGeom prst="leftBrace">
+            <a:avLst/>
+          </a:prstGeom>
+          <a:ln w="19050">
+            <a:solidFill>
+              <a:schemeClr val="tx1"/>
+            </a:solidFill>
+          </a:ln>
+        </p:spPr>
+        <p:style>
+          <a:lnRef idx="1">
+            <a:schemeClr val="accent1"/>
+          </a:lnRef>
+          <a:fillRef idx="0">
+            <a:schemeClr val="accent1"/>
+          </a:fillRef>
+          <a:effectRef idx="0">
+            <a:schemeClr val="accent1"/>
+          </a:effectRef>
+          <a:fontRef idx="minor">
+            <a:schemeClr val="tx1"/>
+          </a:fontRef>
+        </p:style>
+        <p:txBody>
+          <a:bodyPr rtlCol="0" anchor="ctr"/>
+          <a:lstStyle/>
+          <a:p>
+            <a:pPr algn="ctr"/>
+            <a:endParaRPr lang="en-US"/>
+          </a:p>
+        </p:txBody>
+      </p:sp>
+      <p:sp>
+        <p:nvSpPr>
+          <p:cNvPr id="20" name="Left Brace 19">
+            <a:extLst>
+              <a:ext uri="{FF2B5EF4-FFF2-40B4-BE49-F238E27FC236}">
+                <a16:creationId xmlns:a16="http://schemas.microsoft.com/office/drawing/2014/main" id="{26F07505-D9EF-5FC6-1F28-FB8981C73101}"/>
+              </a:ext>
+            </a:extLst>
+          </p:cNvPr>
+          <p:cNvSpPr/>
+          <p:nvPr/>
+        </p:nvSpPr>
+        <p:spPr>
+          <a:xfrm rot="10800000">
+            <a:off x="10586560" y="1702013"/>
+            <a:ext cx="409904" cy="3042435"/>
+          </a:xfrm>
+          <a:prstGeom prst="leftBrace">
+            <a:avLst/>
+          </a:prstGeom>
+          <a:ln w="19050">
+            <a:solidFill>
+              <a:srgbClr val="A3539F"/>
+            </a:solidFill>
+          </a:ln>
+        </p:spPr>
+        <p:style>
+          <a:lnRef idx="1">
+            <a:schemeClr val="accent1"/>
+          </a:lnRef>
+          <a:fillRef idx="0">
+            <a:schemeClr val="accent1"/>
+          </a:fillRef>
+          <a:effectRef idx="0">
+            <a:schemeClr val="accent1"/>
+          </a:effectRef>
+          <a:fontRef idx="minor">
+            <a:schemeClr val="tx1"/>
+          </a:fontRef>
+        </p:style>
+        <p:txBody>
+          <a:bodyPr rtlCol="0" anchor="ctr"/>
+          <a:lstStyle/>
+          <a:p>
+            <a:pPr algn="ctr"/>
+            <a:endParaRPr lang="en-US"/>
+          </a:p>
+        </p:txBody>
+      </p:sp>
+      <p:sp>
+        <p:nvSpPr>
+          <p:cNvPr id="21" name="TextBox 20">
+            <a:extLst>
+              <a:ext uri="{FF2B5EF4-FFF2-40B4-BE49-F238E27FC236}">
+                <a16:creationId xmlns:a16="http://schemas.microsoft.com/office/drawing/2014/main" id="{9BED3BFA-5B66-E37C-AA24-B9053B92AA90}"/>
+              </a:ext>
+            </a:extLst>
+          </p:cNvPr>
+          <p:cNvSpPr txBox="1"/>
+          <p:nvPr/>
+        </p:nvSpPr>
+        <p:spPr>
+          <a:xfrm>
+            <a:off x="78904" y="1702012"/>
+            <a:ext cx="1376856" cy="646331"/>
+          </a:xfrm>
+          <a:prstGeom prst="rect">
+            <a:avLst/>
+          </a:prstGeom>
+          <a:noFill/>
+        </p:spPr>
+        <p:txBody>
+          <a:bodyPr wrap="square" rtlCol="0">
+            <a:spAutoFit/>
+          </a:bodyPr>
+          <a:lstStyle/>
+          <a:p>
+            <a:r>
+              <a:rPr lang="en-US" dirty="0">
+                <a:solidFill>
+                  <a:srgbClr val="00B1CD"/>
+                </a:solidFill>
+                <a:latin typeface="CABRITO SANS NORM REGULAR NORM" panose="02000503040000020004" pitchFamily="2" charset="77"/>
+              </a:rPr>
+              <a:t>Obstacle </a:t>
+            </a:r>
+            <a:r>
+              <a:rPr lang="en-US" dirty="0" err="1">
+                <a:solidFill>
+                  <a:srgbClr val="00B1CD"/>
+                </a:solidFill>
+                <a:latin typeface="CABRITO SANS NORM REGULAR NORM" panose="02000503040000020004" pitchFamily="2" charset="77"/>
+              </a:rPr>
+              <a:t>à</a:t>
+            </a:r>
+            <a:r>
+              <a:rPr lang="en-US" dirty="0">
+                <a:solidFill>
+                  <a:srgbClr val="00B1CD"/>
+                </a:solidFill>
+                <a:latin typeface="CABRITO SANS NORM REGULAR NORM" panose="02000503040000020004" pitchFamily="2" charset="77"/>
+              </a:rPr>
+              <a:t> la </a:t>
+            </a:r>
+            <a:r>
+              <a:rPr lang="en-US" dirty="0" err="1">
+                <a:solidFill>
+                  <a:srgbClr val="00B1CD"/>
+                </a:solidFill>
+                <a:latin typeface="CABRITO SANS NORM REGULAR NORM" panose="02000503040000020004" pitchFamily="2" charset="77"/>
+              </a:rPr>
+              <a:t>méthode</a:t>
+            </a:r>
+            <a:endParaRPr lang="en-US" dirty="0">
+              <a:solidFill>
+                <a:srgbClr val="00B1CD"/>
+              </a:solidFill>
+              <a:latin typeface="CABRITO SANS NORM REGULAR NORM" panose="02000503040000020004" pitchFamily="2" charset="77"/>
+            </a:endParaRPr>
+          </a:p>
+        </p:txBody>
+      </p:sp>
+      <p:sp>
+        <p:nvSpPr>
+          <p:cNvPr id="22" name="TextBox 21">
+            <a:extLst>
+              <a:ext uri="{FF2B5EF4-FFF2-40B4-BE49-F238E27FC236}">
+                <a16:creationId xmlns:a16="http://schemas.microsoft.com/office/drawing/2014/main" id="{4A699931-EAEF-CA0D-B550-409F3FAC459E}"/>
+              </a:ext>
+            </a:extLst>
+          </p:cNvPr>
+          <p:cNvSpPr txBox="1"/>
+          <p:nvPr/>
+        </p:nvSpPr>
+        <p:spPr>
+          <a:xfrm>
+            <a:off x="94593" y="3459566"/>
+            <a:ext cx="1185051" cy="646331"/>
+          </a:xfrm>
+          <a:prstGeom prst="rect">
+            <a:avLst/>
+          </a:prstGeom>
+          <a:noFill/>
+        </p:spPr>
+        <p:txBody>
+          <a:bodyPr wrap="square" rtlCol="0">
+            <a:spAutoFit/>
+          </a:bodyPr>
+          <a:lstStyle/>
+          <a:p>
+            <a:r>
+              <a:rPr lang="en-US" dirty="0" err="1">
+                <a:latin typeface="CABRITO SANS NORM REGULAR NORM" panose="02000503040000020004" pitchFamily="2" charset="77"/>
+              </a:rPr>
+              <a:t>Autre</a:t>
+            </a:r>
+            <a:r>
+              <a:rPr lang="en-US" dirty="0">
+                <a:latin typeface="CABRITO SANS NORM REGULAR NORM" panose="02000503040000020004" pitchFamily="2" charset="77"/>
+              </a:rPr>
+              <a:t> /</a:t>
+            </a:r>
+          </a:p>
+          <a:p>
+            <a:r>
+              <a:rPr lang="en-US" dirty="0">
+                <a:latin typeface="CABRITO SANS NORM REGULAR NORM" panose="02000503040000020004" pitchFamily="2" charset="77"/>
+              </a:rPr>
+              <a:t>inconnue</a:t>
+            </a:r>
+          </a:p>
+        </p:txBody>
+      </p:sp>
+      <p:sp>
+        <p:nvSpPr>
+          <p:cNvPr id="23" name="TextBox 22">
+            <a:extLst>
+              <a:ext uri="{FF2B5EF4-FFF2-40B4-BE49-F238E27FC236}">
+                <a16:creationId xmlns:a16="http://schemas.microsoft.com/office/drawing/2014/main" id="{99ADC1CD-6E21-D318-DA64-A941CF3D2732}"/>
+              </a:ext>
+            </a:extLst>
+          </p:cNvPr>
+          <p:cNvSpPr txBox="1"/>
+          <p:nvPr/>
+        </p:nvSpPr>
+        <p:spPr>
+          <a:xfrm>
+            <a:off x="10825657" y="2895907"/>
+            <a:ext cx="1353230" cy="646331"/>
+          </a:xfrm>
+          <a:prstGeom prst="rect">
+            <a:avLst/>
+          </a:prstGeom>
+          <a:noFill/>
+        </p:spPr>
+        <p:txBody>
+          <a:bodyPr wrap="square" rtlCol="0">
+            <a:spAutoFit/>
+          </a:bodyPr>
+          <a:lstStyle/>
+          <a:p>
+            <a:pPr algn="r"/>
+            <a:r>
+              <a:rPr lang="en-US" dirty="0" err="1">
+                <a:solidFill>
+                  <a:srgbClr val="A3539F"/>
+                </a:solidFill>
+                <a:latin typeface="CABRITO SANS NORM REGULAR NORM" panose="02000503040000020004" pitchFamily="2" charset="77"/>
+              </a:rPr>
+              <a:t>Excluez</a:t>
+            </a:r>
+            <a:r>
+              <a:rPr lang="en-US" dirty="0">
+                <a:solidFill>
+                  <a:srgbClr val="A3539F"/>
+                </a:solidFill>
+                <a:latin typeface="CABRITO SANS NORM REGULAR NORM" panose="02000503040000020004" pitchFamily="2" charset="77"/>
+              </a:rPr>
+              <a:t> de </a:t>
+            </a:r>
+            <a:r>
+              <a:rPr lang="en-US" dirty="0" err="1">
+                <a:solidFill>
+                  <a:srgbClr val="A3539F"/>
+                </a:solidFill>
+                <a:latin typeface="CABRITO SANS NORM REGULAR NORM" panose="02000503040000020004" pitchFamily="2" charset="77"/>
+              </a:rPr>
+              <a:t>l'analyse</a:t>
+            </a:r>
+            <a:endParaRPr lang="en-US" dirty="0">
+              <a:solidFill>
+                <a:srgbClr val="A3539F"/>
+              </a:solidFill>
+              <a:latin typeface="CABRITO SANS NORM REGULAR NORM" panose="02000503040000020004" pitchFamily="2" charset="77"/>
+            </a:endParaRPr>
+          </a:p>
+        </p:txBody>
+      </p:sp>
+    </p:spTree>
+    <p:extLst>
+      <p:ext uri="{BB962C8B-B14F-4D97-AF65-F5344CB8AC3E}">
+        <p14:creationId xmlns:p14="http://schemas.microsoft.com/office/powerpoint/2010/main" val="2229426003"/>
       </p:ext>
     </p:extLst>
   </p:cSld>
